--- a/Study/1. IntelliJ_181207.pptx
+++ b/Study/1. IntelliJ_181207.pptx
@@ -207,7 +207,7 @@
           <a:p>
             <a:fld id="{860F6261-D752-47FA-9360-477C4FC813A0}" type="datetimeFigureOut">
               <a:rPr lang="ko-KR" altLang="en-US" smtClean="0"/>
-              <a:t>2018-12-07</a:t>
+              <a:t>2018-12-12</a:t>
             </a:fld>
             <a:endParaRPr lang="ko-KR" altLang="en-US"/>
           </a:p>
@@ -518,115 +518,6 @@
           <a:bodyPr/>
           <a:lstStyle/>
           <a:p>
-            <a:r>
-              <a:rPr lang="ko-KR" altLang="ko-KR" sz="1200" b="0" i="0" kern="1200" dirty="0" err="1">
-                <a:solidFill>
-                  <a:schemeClr val="tx1"/>
-                </a:solidFill>
-                <a:effectLst/>
-                <a:latin typeface="+mn-lt"/>
-                <a:ea typeface="+mn-ea"/>
-                <a:cs typeface="+mn-cs"/>
-              </a:rPr>
-              <a:t>IntelliJ</a:t>
-            </a:r>
-            <a:r>
-              <a:rPr lang="ko-KR" altLang="ko-KR" sz="1200" b="0" i="0" kern="1200" dirty="0">
-                <a:solidFill>
-                  <a:schemeClr val="tx1"/>
-                </a:solidFill>
-                <a:effectLst/>
-                <a:latin typeface="+mn-lt"/>
-                <a:ea typeface="+mn-ea"/>
-                <a:cs typeface="+mn-cs"/>
-              </a:rPr>
-              <a:t> </a:t>
-            </a:r>
-            <a:r>
-              <a:rPr lang="ko-KR" altLang="ko-KR" sz="1200" b="0" i="0" kern="1200" dirty="0" err="1">
-                <a:solidFill>
-                  <a:schemeClr val="tx1"/>
-                </a:solidFill>
-                <a:effectLst/>
-                <a:latin typeface="+mn-lt"/>
-                <a:ea typeface="+mn-ea"/>
-                <a:cs typeface="+mn-cs"/>
-              </a:rPr>
-              <a:t>IDEA</a:t>
-            </a:r>
-            <a:r>
-              <a:rPr lang="ko-KR" altLang="en-US" sz="1200" b="0" i="0" kern="1200" dirty="0" err="1">
-                <a:solidFill>
-                  <a:schemeClr val="tx1"/>
-                </a:solidFill>
-                <a:effectLst/>
-                <a:latin typeface="+mn-lt"/>
-                <a:ea typeface="+mn-ea"/>
-                <a:cs typeface="+mn-cs"/>
-              </a:rPr>
-              <a:t>는</a:t>
-            </a:r>
-            <a:r>
-              <a:rPr lang="ko-KR" altLang="en-US" sz="1200" b="0" i="0" kern="1200" dirty="0">
-                <a:solidFill>
-                  <a:schemeClr val="tx1"/>
-                </a:solidFill>
-                <a:effectLst/>
-                <a:latin typeface="+mn-lt"/>
-                <a:ea typeface="+mn-ea"/>
-                <a:cs typeface="+mn-cs"/>
-              </a:rPr>
-              <a:t> </a:t>
-            </a:r>
-            <a:r>
-              <a:rPr lang="en-US" altLang="ko-KR" sz="1200" b="0" i="0" kern="1200" dirty="0">
-                <a:solidFill>
-                  <a:schemeClr val="tx1"/>
-                </a:solidFill>
-                <a:effectLst/>
-                <a:latin typeface="+mn-lt"/>
-                <a:ea typeface="+mn-ea"/>
-                <a:cs typeface="+mn-cs"/>
-              </a:rPr>
-              <a:t>JetBrains </a:t>
-            </a:r>
-            <a:r>
-              <a:rPr lang="ko-KR" altLang="en-US" sz="1200" b="0" i="0" kern="1200" dirty="0">
-                <a:solidFill>
-                  <a:schemeClr val="tx1"/>
-                </a:solidFill>
-                <a:effectLst/>
-                <a:latin typeface="+mn-lt"/>
-                <a:ea typeface="+mn-ea"/>
-                <a:cs typeface="+mn-cs"/>
-              </a:rPr>
-              <a:t>사에서 만든 자바 통합 개발 환경</a:t>
-            </a:r>
-            <a:r>
-              <a:rPr lang="en-US" altLang="ko-KR" sz="1200" b="0" i="0" kern="1200" dirty="0">
-                <a:solidFill>
-                  <a:schemeClr val="tx1"/>
-                </a:solidFill>
-                <a:effectLst/>
-                <a:latin typeface="+mn-lt"/>
-                <a:ea typeface="+mn-ea"/>
-                <a:cs typeface="+mn-cs"/>
-              </a:rPr>
-              <a:t>.</a:t>
-            </a:r>
-          </a:p>
-          <a:p>
-            <a:endParaRPr lang="en-US" altLang="ko-KR" sz="1200" b="0" i="0" kern="1200" dirty="0">
-              <a:solidFill>
-                <a:schemeClr val="tx1"/>
-              </a:solidFill>
-              <a:effectLst/>
-              <a:latin typeface="+mn-lt"/>
-              <a:ea typeface="+mn-ea"/>
-              <a:cs typeface="+mn-cs"/>
-            </a:endParaRPr>
-          </a:p>
-          <a:p>
             <a:pPr marL="0" indent="0">
               <a:buNone/>
             </a:pPr>
@@ -1661,7 +1552,7 @@
           <a:p>
             <a:fld id="{7375CF92-EF9A-4E7C-8197-9037C088131F}" type="datetimeFigureOut">
               <a:rPr lang="ko-KR" altLang="en-US" smtClean="0"/>
-              <a:t>2018-12-07</a:t>
+              <a:t>2018-12-12</a:t>
             </a:fld>
             <a:endParaRPr lang="ko-KR" altLang="en-US"/>
           </a:p>
@@ -1859,7 +1750,7 @@
           <a:p>
             <a:fld id="{7375CF92-EF9A-4E7C-8197-9037C088131F}" type="datetimeFigureOut">
               <a:rPr lang="ko-KR" altLang="en-US" smtClean="0"/>
-              <a:t>2018-12-07</a:t>
+              <a:t>2018-12-12</a:t>
             </a:fld>
             <a:endParaRPr lang="ko-KR" altLang="en-US"/>
           </a:p>
@@ -2067,7 +1958,7 @@
           <a:p>
             <a:fld id="{7375CF92-EF9A-4E7C-8197-9037C088131F}" type="datetimeFigureOut">
               <a:rPr lang="ko-KR" altLang="en-US" smtClean="0"/>
-              <a:t>2018-12-07</a:t>
+              <a:t>2018-12-12</a:t>
             </a:fld>
             <a:endParaRPr lang="ko-KR" altLang="en-US"/>
           </a:p>
@@ -2265,7 +2156,7 @@
           <a:p>
             <a:fld id="{7375CF92-EF9A-4E7C-8197-9037C088131F}" type="datetimeFigureOut">
               <a:rPr lang="ko-KR" altLang="en-US" smtClean="0"/>
-              <a:t>2018-12-07</a:t>
+              <a:t>2018-12-12</a:t>
             </a:fld>
             <a:endParaRPr lang="ko-KR" altLang="en-US"/>
           </a:p>
@@ -2540,7 +2431,7 @@
           <a:p>
             <a:fld id="{7375CF92-EF9A-4E7C-8197-9037C088131F}" type="datetimeFigureOut">
               <a:rPr lang="ko-KR" altLang="en-US" smtClean="0"/>
-              <a:t>2018-12-07</a:t>
+              <a:t>2018-12-12</a:t>
             </a:fld>
             <a:endParaRPr lang="ko-KR" altLang="en-US"/>
           </a:p>
@@ -2805,7 +2696,7 @@
           <a:p>
             <a:fld id="{7375CF92-EF9A-4E7C-8197-9037C088131F}" type="datetimeFigureOut">
               <a:rPr lang="ko-KR" altLang="en-US" smtClean="0"/>
-              <a:t>2018-12-07</a:t>
+              <a:t>2018-12-12</a:t>
             </a:fld>
             <a:endParaRPr lang="ko-KR" altLang="en-US"/>
           </a:p>
@@ -3217,7 +3108,7 @@
           <a:p>
             <a:fld id="{7375CF92-EF9A-4E7C-8197-9037C088131F}" type="datetimeFigureOut">
               <a:rPr lang="ko-KR" altLang="en-US" smtClean="0"/>
-              <a:t>2018-12-07</a:t>
+              <a:t>2018-12-12</a:t>
             </a:fld>
             <a:endParaRPr lang="ko-KR" altLang="en-US"/>
           </a:p>
@@ -3358,7 +3249,7 @@
           <a:p>
             <a:fld id="{7375CF92-EF9A-4E7C-8197-9037C088131F}" type="datetimeFigureOut">
               <a:rPr lang="ko-KR" altLang="en-US" smtClean="0"/>
-              <a:t>2018-12-07</a:t>
+              <a:t>2018-12-12</a:t>
             </a:fld>
             <a:endParaRPr lang="ko-KR" altLang="en-US"/>
           </a:p>
@@ -3471,7 +3362,7 @@
           <a:p>
             <a:fld id="{7375CF92-EF9A-4E7C-8197-9037C088131F}" type="datetimeFigureOut">
               <a:rPr lang="ko-KR" altLang="en-US" smtClean="0"/>
-              <a:t>2018-12-07</a:t>
+              <a:t>2018-12-12</a:t>
             </a:fld>
             <a:endParaRPr lang="ko-KR" altLang="en-US"/>
           </a:p>
@@ -3782,7 +3673,7 @@
           <a:p>
             <a:fld id="{7375CF92-EF9A-4E7C-8197-9037C088131F}" type="datetimeFigureOut">
               <a:rPr lang="ko-KR" altLang="en-US" smtClean="0"/>
-              <a:t>2018-12-07</a:t>
+              <a:t>2018-12-12</a:t>
             </a:fld>
             <a:endParaRPr lang="ko-KR" altLang="en-US"/>
           </a:p>
@@ -4070,7 +3961,7 @@
           <a:p>
             <a:fld id="{7375CF92-EF9A-4E7C-8197-9037C088131F}" type="datetimeFigureOut">
               <a:rPr lang="ko-KR" altLang="en-US" smtClean="0"/>
-              <a:t>2018-12-07</a:t>
+              <a:t>2018-12-12</a:t>
             </a:fld>
             <a:endParaRPr lang="ko-KR" altLang="en-US"/>
           </a:p>
@@ -4311,7 +4202,7 @@
           <a:p>
             <a:fld id="{7375CF92-EF9A-4E7C-8197-9037C088131F}" type="datetimeFigureOut">
               <a:rPr lang="ko-KR" altLang="en-US" smtClean="0"/>
-              <a:t>2018-12-07</a:t>
+              <a:t>2018-12-12</a:t>
             </a:fld>
             <a:endParaRPr lang="ko-KR" altLang="en-US"/>
           </a:p>
